--- a/实习考核报告-模板-2017-叶日旋.pptx
+++ b/实习考核报告-模板-2017-叶日旋.pptx
@@ -10089,6 +10089,60 @@
                 <a:srgbClr val="FF9933"/>
               </a:buClr>
             </a:pPr>
+            <a:endParaRPr lang="zh-CN" altLang="en-US" sz="1400" dirty="0">
+              <a:latin typeface="微软雅黑" panose="020B0503020204020204" charset="-122"/>
+              <a:ea typeface="微软雅黑" panose="020B0503020204020204" charset="-122"/>
+              <a:sym typeface="+mn-ea"/>
+            </a:endParaRPr>
+          </a:p>
+          <a:p>
+            <a:pPr lvl="0" defTabSz="914400" eaLnBrk="0" fontAlgn="base" hangingPunct="0">
+              <a:spcBef>
+                <a:spcPct val="20000"/>
+              </a:spcBef>
+              <a:spcAft>
+                <a:spcPct val="0"/>
+              </a:spcAft>
+              <a:buClr>
+                <a:srgbClr val="FF9933"/>
+              </a:buClr>
+            </a:pPr>
+            <a:endParaRPr lang="zh-CN" altLang="en-US" sz="1400" dirty="0">
+              <a:latin typeface="微软雅黑" panose="020B0503020204020204" charset="-122"/>
+              <a:ea typeface="微软雅黑" panose="020B0503020204020204" charset="-122"/>
+              <a:sym typeface="+mn-ea"/>
+            </a:endParaRPr>
+          </a:p>
+          <a:p>
+            <a:pPr lvl="0" defTabSz="914400" eaLnBrk="0" fontAlgn="base" hangingPunct="0">
+              <a:spcBef>
+                <a:spcPct val="20000"/>
+              </a:spcBef>
+              <a:spcAft>
+                <a:spcPct val="0"/>
+              </a:spcAft>
+              <a:buClr>
+                <a:srgbClr val="FF9933"/>
+              </a:buClr>
+            </a:pPr>
+            <a:endParaRPr lang="zh-CN" altLang="en-US" sz="1400" dirty="0">
+              <a:latin typeface="微软雅黑" panose="020B0503020204020204" charset="-122"/>
+              <a:ea typeface="微软雅黑" panose="020B0503020204020204" charset="-122"/>
+              <a:sym typeface="+mn-ea"/>
+            </a:endParaRPr>
+          </a:p>
+          <a:p>
+            <a:pPr lvl="0" defTabSz="914400" eaLnBrk="0" fontAlgn="base" hangingPunct="0">
+              <a:spcBef>
+                <a:spcPct val="20000"/>
+              </a:spcBef>
+              <a:spcAft>
+                <a:spcPct val="0"/>
+              </a:spcAft>
+              <a:buClr>
+                <a:srgbClr val="FF9933"/>
+              </a:buClr>
+            </a:pPr>
             <a:r>
               <a:rPr lang="en-US" altLang="zh-CN" sz="1400" dirty="0">
                 <a:latin typeface="微软雅黑" panose="020B0503020204020204" charset="-122"/>
@@ -10278,6 +10332,110 @@
               <a:t>快速开发，动态配置）</a:t>
             </a:r>
             <a:endParaRPr lang="zh-CN" altLang="en-US" sz="1400"/>
+          </a:p>
+        </p:txBody>
+      </p:sp>
+      <p:sp>
+        <p:nvSpPr>
+          <p:cNvPr id="3" name="文本框 2"/>
+          <p:cNvSpPr txBox="1"/>
+          <p:nvPr/>
+        </p:nvSpPr>
+        <p:spPr>
+          <a:xfrm>
+            <a:off x="309245" y="1657350"/>
+            <a:ext cx="3931920" cy="1753235"/>
+          </a:xfrm>
+          <a:prstGeom prst="rect">
+            <a:avLst/>
+          </a:prstGeom>
+          <a:noFill/>
+        </p:spPr>
+        <p:txBody>
+          <a:bodyPr wrap="square" rtlCol="0">
+            <a:spAutoFit/>
+          </a:bodyPr>
+          <a:p>
+            <a:r>
+              <a:rPr lang="zh-CN" altLang="en-US" dirty="0">
+                <a:latin typeface="微软雅黑" panose="020B0503020204020204" charset="-122"/>
+                <a:ea typeface="微软雅黑" panose="020B0503020204020204" charset="-122"/>
+                <a:sym typeface="+mn-ea"/>
+              </a:rPr>
+              <a:t>能力：</a:t>
+            </a:r>
+            <a:endParaRPr lang="zh-CN" altLang="en-US" dirty="0">
+              <a:latin typeface="微软雅黑" panose="020B0503020204020204" charset="-122"/>
+              <a:ea typeface="微软雅黑" panose="020B0503020204020204" charset="-122"/>
+              <a:sym typeface="+mn-ea"/>
+            </a:endParaRPr>
+          </a:p>
+          <a:p>
+            <a:r>
+              <a:rPr lang="zh-CN" altLang="en-US" dirty="0">
+                <a:latin typeface="微软雅黑" panose="020B0503020204020204" charset="-122"/>
+                <a:ea typeface="微软雅黑" panose="020B0503020204020204" charset="-122"/>
+                <a:sym typeface="+mn-ea"/>
+              </a:rPr>
+              <a:t>代码能力</a:t>
+            </a:r>
+            <a:endParaRPr lang="zh-CN" altLang="en-US" dirty="0">
+              <a:latin typeface="微软雅黑" panose="020B0503020204020204" charset="-122"/>
+              <a:ea typeface="微软雅黑" panose="020B0503020204020204" charset="-122"/>
+              <a:sym typeface="+mn-ea"/>
+            </a:endParaRPr>
+          </a:p>
+          <a:p>
+            <a:r>
+              <a:rPr lang="zh-CN" altLang="en-US" dirty="0">
+                <a:latin typeface="微软雅黑" panose="020B0503020204020204" charset="-122"/>
+                <a:ea typeface="微软雅黑" panose="020B0503020204020204" charset="-122"/>
+                <a:sym typeface="+mn-ea"/>
+              </a:rPr>
+              <a:t>业务能力</a:t>
+            </a:r>
+            <a:endParaRPr lang="zh-CN" altLang="en-US" dirty="0">
+              <a:latin typeface="微软雅黑" panose="020B0503020204020204" charset="-122"/>
+              <a:ea typeface="微软雅黑" panose="020B0503020204020204" charset="-122"/>
+              <a:sym typeface="+mn-ea"/>
+            </a:endParaRPr>
+          </a:p>
+          <a:p>
+            <a:r>
+              <a:rPr lang="zh-CN" altLang="en-US" dirty="0">
+                <a:latin typeface="微软雅黑" panose="020B0503020204020204" charset="-122"/>
+                <a:ea typeface="微软雅黑" panose="020B0503020204020204" charset="-122"/>
+                <a:sym typeface="+mn-ea"/>
+              </a:rPr>
+              <a:t>学习能力</a:t>
+            </a:r>
+            <a:endParaRPr lang="zh-CN" altLang="en-US" dirty="0">
+              <a:latin typeface="微软雅黑" panose="020B0503020204020204" charset="-122"/>
+              <a:ea typeface="微软雅黑" panose="020B0503020204020204" charset="-122"/>
+              <a:sym typeface="+mn-ea"/>
+            </a:endParaRPr>
+          </a:p>
+          <a:p>
+            <a:r>
+              <a:rPr lang="zh-CN" altLang="en-US" dirty="0">
+                <a:latin typeface="微软雅黑" panose="020B0503020204020204" charset="-122"/>
+                <a:ea typeface="微软雅黑" panose="020B0503020204020204" charset="-122"/>
+                <a:sym typeface="+mn-ea"/>
+              </a:rPr>
+              <a:t>抗压能力</a:t>
+            </a:r>
+            <a:endParaRPr lang="zh-CN" altLang="en-US" dirty="0">
+              <a:latin typeface="微软雅黑" panose="020B0503020204020204" charset="-122"/>
+              <a:ea typeface="微软雅黑" panose="020B0503020204020204" charset="-122"/>
+              <a:sym typeface="+mn-ea"/>
+            </a:endParaRPr>
+          </a:p>
+          <a:p>
+            <a:endParaRPr lang="zh-CN" altLang="en-US" dirty="0">
+              <a:latin typeface="微软雅黑" panose="020B0503020204020204" charset="-122"/>
+              <a:ea typeface="微软雅黑" panose="020B0503020204020204" charset="-122"/>
+              <a:sym typeface="+mn-ea"/>
+            </a:endParaRPr>
           </a:p>
         </p:txBody>
       </p:sp>

--- a/实习考核报告-模板-2017-叶日旋.pptx
+++ b/实习考核报告-模板-2017-叶日旋.pptx
@@ -4145,7 +4145,7 @@
         <p:spPr>
           <a:xfrm>
             <a:off x="165100" y="801370"/>
-            <a:ext cx="3347085" cy="2064385"/>
+            <a:ext cx="4752340" cy="2064385"/>
           </a:xfrm>
           <a:prstGeom prst="rect">
             <a:avLst/>
@@ -4252,7 +4252,39 @@
                 <a:latin typeface="微软雅黑" panose="020B0503020204020204" charset="-122"/>
                 <a:ea typeface="微软雅黑" panose="020B0503020204020204" charset="-122"/>
               </a:rPr>
-              <a:t>勤奋 ，对工作有激情</a:t>
+              <a:t>勤奋 ，对工作有激情（趁着年轻，像</a:t>
+            </a:r>
+            <a:r>
+              <a:rPr kumimoji="0" lang="zh-CN" altLang="en-US" sz="1400" b="0" i="0" u="none" strike="noStrike" kern="1200" cap="none" spc="0" normalizeH="0" baseline="0" noProof="0" dirty="0">
+                <a:ln>
+                  <a:noFill/>
+                </a:ln>
+                <a:solidFill>
+                  <a:schemeClr val="tx1"/>
+                </a:solidFill>
+                <a:effectLst/>
+                <a:uLnTx/>
+                <a:uFillTx/>
+                <a:latin typeface="微软雅黑" panose="020B0503020204020204" charset="-122"/>
+                <a:ea typeface="微软雅黑" panose="020B0503020204020204" charset="-122"/>
+              </a:rPr>
+              <a:t>海绵一样去吸收</a:t>
+            </a:r>
+            <a:r>
+              <a:rPr kumimoji="0" lang="zh-CN" altLang="en-US" sz="1400" b="0" i="0" u="none" strike="noStrike" kern="1200" cap="none" spc="0" normalizeH="0" baseline="0" noProof="0" dirty="0">
+                <a:ln>
+                  <a:noFill/>
+                </a:ln>
+                <a:solidFill>
+                  <a:schemeClr val="tx1"/>
+                </a:solidFill>
+                <a:effectLst/>
+                <a:uLnTx/>
+                <a:uFillTx/>
+                <a:latin typeface="微软雅黑" panose="020B0503020204020204" charset="-122"/>
+                <a:ea typeface="微软雅黑" panose="020B0503020204020204" charset="-122"/>
+              </a:rPr>
+              <a:t>）</a:t>
             </a:r>
             <a:endParaRPr kumimoji="0" lang="zh-CN" altLang="en-US" sz="1400" b="0" i="0" u="none" strike="noStrike" kern="1200" cap="none" spc="0" normalizeH="0" baseline="0" noProof="0" dirty="0">
               <a:ln>
@@ -5518,7 +5550,7 @@
                 <a:latin typeface="微软雅黑" panose="020B0503020204020204" charset="-122"/>
                 <a:ea typeface="微软雅黑" panose="020B0503020204020204" charset="-122"/>
               </a:rPr>
-              <a:t>做好个人职业规划</a:t>
+              <a:t>做好个人职业规划，成为一个真正的职场人</a:t>
             </a:r>
             <a:endParaRPr lang="zh-CN" altLang="en-US" sz="1400" dirty="0">
               <a:latin typeface="微软雅黑" panose="020B0503020204020204" charset="-122"/>
@@ -9482,7 +9514,7 @@
         <p:spPr>
           <a:xfrm>
             <a:off x="549275" y="2998470"/>
-            <a:ext cx="3822700" cy="1771015"/>
+            <a:ext cx="4370705" cy="1340485"/>
           </a:xfrm>
           <a:prstGeom prst="rect">
             <a:avLst/>
@@ -10067,7 +10099,7 @@
         </p:nvSpPr>
         <p:spPr>
           <a:xfrm>
-            <a:off x="302398" y="639393"/>
+            <a:off x="302398" y="650823"/>
             <a:ext cx="8573360" cy="4118237"/>
           </a:xfrm>
           <a:prstGeom prst="rect">
@@ -10392,7 +10424,7 @@
                 <a:ea typeface="微软雅黑" panose="020B0503020204020204" charset="-122"/>
                 <a:sym typeface="+mn-ea"/>
               </a:rPr>
-              <a:t>业务能力</a:t>
+              <a:t>学习能力</a:t>
             </a:r>
             <a:endParaRPr lang="zh-CN" altLang="en-US" dirty="0">
               <a:latin typeface="微软雅黑" panose="020B0503020204020204" charset="-122"/>
@@ -10407,7 +10439,7 @@
                 <a:ea typeface="微软雅黑" panose="020B0503020204020204" charset="-122"/>
                 <a:sym typeface="+mn-ea"/>
               </a:rPr>
-              <a:t>学习能力</a:t>
+              <a:t>抗压能力</a:t>
             </a:r>
             <a:endParaRPr lang="zh-CN" altLang="en-US" dirty="0">
               <a:latin typeface="微软雅黑" panose="020B0503020204020204" charset="-122"/>
@@ -10422,7 +10454,7 @@
                 <a:ea typeface="微软雅黑" panose="020B0503020204020204" charset="-122"/>
                 <a:sym typeface="+mn-ea"/>
               </a:rPr>
-              <a:t>抗压能力</a:t>
+              <a:t>熟悉各种工具使用</a:t>
             </a:r>
             <a:endParaRPr lang="zh-CN" altLang="en-US" dirty="0">
               <a:latin typeface="微软雅黑" panose="020B0503020204020204" charset="-122"/>
@@ -10551,6 +10583,105 @@
                       </p:childTnLst>
                     </p:cTn>
                   </p:par>
+                  <p:par>
+                    <p:cTn id="9" fill="hold">
+                      <p:stCondLst>
+                        <p:cond delay="indefinite"/>
+                      </p:stCondLst>
+                      <p:childTnLst>
+                        <p:par>
+                          <p:cTn id="10" fill="hold">
+                            <p:stCondLst>
+                              <p:cond delay="0"/>
+                            </p:stCondLst>
+                            <p:childTnLst>
+                              <p:par>
+                                <p:cTn id="11" presetID="42" presetClass="entr" presetSubtype="0" fill="hold" grpId="1" nodeType="clickEffect">
+                                  <p:stCondLst>
+                                    <p:cond delay="0"/>
+                                  </p:stCondLst>
+                                  <p:childTnLst>
+                                    <p:set>
+                                      <p:cBhvr>
+                                        <p:cTn id="12" dur="1" fill="hold">
+                                          <p:stCondLst>
+                                            <p:cond delay="0"/>
+                                          </p:stCondLst>
+                                        </p:cTn>
+                                        <p:tgtEl>
+                                          <p:spTgt spid="3"/>
+                                        </p:tgtEl>
+                                        <p:attrNameLst>
+                                          <p:attrName>style.visibility</p:attrName>
+                                        </p:attrNameLst>
+                                      </p:cBhvr>
+                                      <p:to>
+                                        <p:strVal val="visible"/>
+                                      </p:to>
+                                    </p:set>
+                                    <p:animEffect transition="in" filter="fade">
+                                      <p:cBhvr>
+                                        <p:cTn id="13" dur="500"/>
+                                        <p:tgtEl>
+                                          <p:spTgt spid="3"/>
+                                        </p:tgtEl>
+                                      </p:cBhvr>
+                                    </p:animEffect>
+                                    <p:anim calcmode="lin" valueType="num">
+                                      <p:cBhvr>
+                                        <p:cTn id="14" dur="500" fill="hold"/>
+                                        <p:tgtEl>
+                                          <p:spTgt spid="3"/>
+                                        </p:tgtEl>
+                                        <p:attrNameLst>
+                                          <p:attrName>ppt_x</p:attrName>
+                                        </p:attrNameLst>
+                                      </p:cBhvr>
+                                      <p:tavLst>
+                                        <p:tav tm="0">
+                                          <p:val>
+                                            <p:strVal val="#ppt_x"/>
+                                          </p:val>
+                                        </p:tav>
+                                        <p:tav tm="100000">
+                                          <p:val>
+                                            <p:strVal val="#ppt_x"/>
+                                          </p:val>
+                                        </p:tav>
+                                      </p:tavLst>
+                                    </p:anim>
+                                    <p:anim calcmode="lin" valueType="num">
+                                      <p:cBhvr>
+                                        <p:cTn id="15" dur="500" fill="hold"/>
+                                        <p:tgtEl>
+                                          <p:spTgt spid="3"/>
+                                        </p:tgtEl>
+                                        <p:attrNameLst>
+                                          <p:attrName>ppt_y</p:attrName>
+                                        </p:attrNameLst>
+                                      </p:cBhvr>
+                                      <p:tavLst>
+                                        <p:tav tm="0">
+                                          <p:val>
+                                            <p:strVal val="#ppt_y+.1"/>
+                                          </p:val>
+                                        </p:tav>
+                                        <p:tav tm="100000">
+                                          <p:val>
+                                            <p:strVal val="#ppt_y"/>
+                                          </p:val>
+                                        </p:tav>
+                                      </p:tavLst>
+                                    </p:anim>
+                                  </p:childTnLst>
+                                </p:cTn>
+                              </p:par>
+                            </p:childTnLst>
+                          </p:cTn>
+                        </p:par>
+                      </p:childTnLst>
+                    </p:cTn>
+                  </p:par>
                 </p:childTnLst>
               </p:cTn>
               <p:prevCondLst>
@@ -10574,6 +10705,8 @@
     </p:tnLst>
     <p:bldLst>
       <p:bldP spid="2" grpId="0"/>
+      <p:bldP spid="3" grpId="0"/>
+      <p:bldP spid="3" grpId="1"/>
     </p:bldLst>
   </p:timing>
 </p:sld>
